--- a/Capstone 1/Documents/Capstone 1 Project Presentation.pptx
+++ b/Capstone 1/Documents/Capstone 1 Project Presentation.pptx
@@ -12,7 +12,8 @@
     <p:sldId id="262" r:id="rId6"/>
     <p:sldId id="261" r:id="rId7"/>
     <p:sldId id="263" r:id="rId8"/>
-    <p:sldId id="264" r:id="rId9"/>
+    <p:sldId id="265" r:id="rId9"/>
+    <p:sldId id="264" r:id="rId10"/>
   </p:sldIdLst>
   <p:sldSz cx="12192000" cy="6858000"/>
   <p:notesSz cx="6858000" cy="9144000"/>
@@ -6673,15 +6674,7 @@
           <a:p>
             <a:r>
               <a:rPr lang="en-US" dirty="0"/>
-              <a:t>Then </a:t>
-            </a:r>
-            <a:r>
-              <a:rPr lang="en-US" dirty="0" err="1"/>
-              <a:t>cames</a:t>
-            </a:r>
-            <a:r>
-              <a:rPr lang="en-US" dirty="0"/>
-              <a:t> random forest.</a:t>
+              <a:t>Then comes random forest.</a:t>
             </a:r>
           </a:p>
           <a:p>
@@ -6843,6 +6836,146 @@
 </file>
 
 <file path=ppt/slides/slide8.xml><?xml version="1.0" encoding="utf-8"?>
+<p:sld xmlns:a="http://schemas.openxmlformats.org/drawingml/2006/main" xmlns:r="http://schemas.openxmlformats.org/officeDocument/2006/relationships" xmlns:p="http://schemas.openxmlformats.org/presentationml/2006/main">
+  <p:cSld>
+    <p:spTree>
+      <p:nvGrpSpPr>
+        <p:cNvPr id="1" name=""/>
+        <p:cNvGrpSpPr/>
+        <p:nvPr/>
+      </p:nvGrpSpPr>
+      <p:grpSpPr>
+        <a:xfrm>
+          <a:off x="0" y="0"/>
+          <a:ext cx="0" cy="0"/>
+          <a:chOff x="0" y="0"/>
+          <a:chExt cx="0" cy="0"/>
+        </a:xfrm>
+      </p:grpSpPr>
+      <p:sp>
+        <p:nvSpPr>
+          <p:cNvPr id="2" name="Title 1">
+            <a:extLst>
+              <a:ext uri="{FF2B5EF4-FFF2-40B4-BE49-F238E27FC236}">
+                <a16:creationId xmlns:a16="http://schemas.microsoft.com/office/drawing/2014/main" id="{D2A0F9EE-BF7A-40D3-9BFA-508DFDFB119B}"/>
+              </a:ext>
+            </a:extLst>
+          </p:cNvPr>
+          <p:cNvSpPr>
+            <a:spLocks noGrp="1"/>
+          </p:cNvSpPr>
+          <p:nvPr>
+            <p:ph type="title"/>
+          </p:nvPr>
+        </p:nvSpPr>
+        <p:spPr/>
+        <p:txBody>
+          <a:bodyPr/>
+          <a:lstStyle/>
+          <a:p>
+            <a:r>
+              <a:rPr lang="en-US" dirty="0"/>
+              <a:t>Application</a:t>
+            </a:r>
+          </a:p>
+        </p:txBody>
+      </p:sp>
+      <p:sp>
+        <p:nvSpPr>
+          <p:cNvPr id="3" name="Content Placeholder 2">
+            <a:extLst>
+              <a:ext uri="{FF2B5EF4-FFF2-40B4-BE49-F238E27FC236}">
+                <a16:creationId xmlns:a16="http://schemas.microsoft.com/office/drawing/2014/main" id="{25DD861F-8245-40C2-93A6-D7070437B15D}"/>
+              </a:ext>
+            </a:extLst>
+          </p:cNvPr>
+          <p:cNvSpPr>
+            <a:spLocks noGrp="1"/>
+          </p:cNvSpPr>
+          <p:nvPr>
+            <p:ph idx="1"/>
+          </p:nvPr>
+        </p:nvSpPr>
+        <p:spPr/>
+        <p:txBody>
+          <a:bodyPr/>
+          <a:lstStyle/>
+          <a:p>
+            <a:r>
+              <a:rPr lang="en-US" dirty="0"/>
+              <a:t>Government:</a:t>
+            </a:r>
+          </a:p>
+          <a:p>
+            <a:pPr lvl="1"/>
+            <a:r>
+              <a:rPr lang="en-US" dirty="0"/>
+              <a:t>Food security assurances.</a:t>
+            </a:r>
+          </a:p>
+          <a:p>
+            <a:pPr lvl="1"/>
+            <a:r>
+              <a:rPr lang="en-US" dirty="0"/>
+              <a:t>Economic activity estimates.</a:t>
+            </a:r>
+          </a:p>
+          <a:p>
+            <a:pPr lvl="1"/>
+            <a:r>
+              <a:rPr lang="en-US" dirty="0"/>
+              <a:t>What if analysis, for policy making.</a:t>
+            </a:r>
+          </a:p>
+          <a:p>
+            <a:r>
+              <a:rPr lang="en-US" dirty="0"/>
+              <a:t>Business:</a:t>
+            </a:r>
+          </a:p>
+          <a:p>
+            <a:pPr lvl="1"/>
+            <a:r>
+              <a:rPr lang="en-US" dirty="0"/>
+              <a:t>Planning with raw material production.</a:t>
+            </a:r>
+          </a:p>
+          <a:p>
+            <a:pPr lvl="1"/>
+            <a:r>
+              <a:rPr lang="en-US" dirty="0"/>
+              <a:t>Input to agri-business health forecasting.</a:t>
+            </a:r>
+          </a:p>
+          <a:p>
+            <a:r>
+              <a:rPr lang="en-US" dirty="0"/>
+              <a:t>Trading:</a:t>
+            </a:r>
+          </a:p>
+          <a:p>
+            <a:pPr lvl="1"/>
+            <a:r>
+              <a:rPr lang="en-US" dirty="0"/>
+              <a:t>Commodity pricing.</a:t>
+            </a:r>
+          </a:p>
+        </p:txBody>
+      </p:sp>
+    </p:spTree>
+    <p:extLst>
+      <p:ext uri="{BB962C8B-B14F-4D97-AF65-F5344CB8AC3E}">
+        <p14:creationId xmlns:p14="http://schemas.microsoft.com/office/powerpoint/2010/main" val="672741074"/>
+      </p:ext>
+    </p:extLst>
+  </p:cSld>
+  <p:clrMapOvr>
+    <a:masterClrMapping/>
+  </p:clrMapOvr>
+</p:sld>
+</file>
+
+<file path=ppt/slides/slide9.xml><?xml version="1.0" encoding="utf-8"?>
 <p:sld xmlns:a="http://schemas.openxmlformats.org/drawingml/2006/main" xmlns:r="http://schemas.openxmlformats.org/officeDocument/2006/relationships" xmlns:p="http://schemas.openxmlformats.org/presentationml/2006/main">
   <p:cSld>
     <p:spTree>
